--- a/materials/slides/ch18-xss-and-csrf.pptx
+++ b/materials/slides/ch18-xss-and-csrf.pptx
@@ -5,16 +5,14 @@
     <p:sldMasterId id="2147483648" r:id="rId1"/>
   </p:sldMasterIdLst>
   <p:notesMasterIdLst>
-    <p:notesMasterId r:id="rId6"/>
+    <p:notesMasterId r:id="rId4"/>
   </p:notesMasterIdLst>
   <p:handoutMasterIdLst>
-    <p:handoutMasterId r:id="rId7"/>
+    <p:handoutMasterId r:id="rId5"/>
   </p:handoutMasterIdLst>
   <p:sldIdLst>
     <p:sldId id="257" r:id="rId2"/>
     <p:sldId id="292" r:id="rId3"/>
-    <p:sldId id="293" r:id="rId4"/>
-    <p:sldId id="294" r:id="rId5"/>
   </p:sldIdLst>
   <p:sldSz cx="12192000" cy="6858000"/>
   <p:notesSz cx="6858000" cy="9144000"/>
@@ -218,7 +216,7 @@
           <a:p>
             <a:fld id="{E923E828-953C-4D4A-9B10-11E7329F433D}" type="datetimeFigureOut">
               <a:rPr lang="zh-CN" altLang="en-US" smtClean="0"/>
-              <a:t>2018/2/28</a:t>
+              <a:t>2018/5/1</a:t>
             </a:fld>
             <a:endParaRPr lang="zh-CN" altLang="en-US"/>
           </a:p>
@@ -399,7 +397,7 @@
           <a:p>
             <a:fld id="{867C5346-22E5-4085-8130-851344A84DFF}" type="datetimeFigureOut">
               <a:rPr lang="zh-CN" altLang="en-US" smtClean="0"/>
-              <a:t>2018/2/28</a:t>
+              <a:t>2018/5/1</a:t>
             </a:fld>
             <a:endParaRPr lang="zh-CN" altLang="en-US"/>
           </a:p>
@@ -751,174 +749,6 @@
 </p:notes>
 </file>
 
-<file path=ppt/notesSlides/notesSlide2.xml><?xml version="1.0" encoding="utf-8"?>
-<p:notes xmlns:a="http://schemas.openxmlformats.org/drawingml/2006/main" xmlns:r="http://schemas.openxmlformats.org/officeDocument/2006/relationships" xmlns:p="http://schemas.openxmlformats.org/presentationml/2006/main">
-  <p:cSld>
-    <p:spTree>
-      <p:nvGrpSpPr>
-        <p:cNvPr id="1" name=""/>
-        <p:cNvGrpSpPr/>
-        <p:nvPr/>
-      </p:nvGrpSpPr>
-      <p:grpSpPr>
-        <a:xfrm>
-          <a:off x="0" y="0"/>
-          <a:ext cx="0" cy="0"/>
-          <a:chOff x="0" y="0"/>
-          <a:chExt cx="0" cy="0"/>
-        </a:xfrm>
-      </p:grpSpPr>
-      <p:sp>
-        <p:nvSpPr>
-          <p:cNvPr id="2" name="幻灯片图像占位符 1"/>
-          <p:cNvSpPr>
-            <a:spLocks noGrp="1" noRot="1" noChangeAspect="1"/>
-          </p:cNvSpPr>
-          <p:nvPr>
-            <p:ph type="sldImg"/>
-          </p:nvPr>
-        </p:nvSpPr>
-        <p:spPr/>
-      </p:sp>
-      <p:sp>
-        <p:nvSpPr>
-          <p:cNvPr id="3" name="备注占位符 2"/>
-          <p:cNvSpPr>
-            <a:spLocks noGrp="1"/>
-          </p:cNvSpPr>
-          <p:nvPr>
-            <p:ph type="body" idx="1"/>
-          </p:nvPr>
-        </p:nvSpPr>
-        <p:spPr/>
-        <p:txBody>
-          <a:bodyPr/>
-          <a:lstStyle/>
-          <a:p>
-            <a:endParaRPr lang="zh-CN" altLang="en-US" dirty="0"/>
-          </a:p>
-        </p:txBody>
-      </p:sp>
-      <p:sp>
-        <p:nvSpPr>
-          <p:cNvPr id="4" name="灯片编号占位符 3"/>
-          <p:cNvSpPr>
-            <a:spLocks noGrp="1"/>
-          </p:cNvSpPr>
-          <p:nvPr>
-            <p:ph type="sldNum" sz="quarter" idx="10"/>
-          </p:nvPr>
-        </p:nvSpPr>
-        <p:spPr/>
-        <p:txBody>
-          <a:bodyPr/>
-          <a:lstStyle/>
-          <a:p>
-            <a:fld id="{9FB975F3-1C40-4D40-A7FE-36EEB7CAFC85}" type="slidenum">
-              <a:rPr lang="zh-CN" altLang="en-US" smtClean="0"/>
-              <a:t>3</a:t>
-            </a:fld>
-            <a:endParaRPr lang="zh-CN" altLang="en-US"/>
-          </a:p>
-        </p:txBody>
-      </p:sp>
-    </p:spTree>
-    <p:extLst>
-      <p:ext uri="{BB962C8B-B14F-4D97-AF65-F5344CB8AC3E}">
-        <p14:creationId xmlns:p14="http://schemas.microsoft.com/office/powerpoint/2010/main" val="676521967"/>
-      </p:ext>
-    </p:extLst>
-  </p:cSld>
-  <p:clrMapOvr>
-    <a:masterClrMapping/>
-  </p:clrMapOvr>
-</p:notes>
-</file>
-
-<file path=ppt/notesSlides/notesSlide3.xml><?xml version="1.0" encoding="utf-8"?>
-<p:notes xmlns:a="http://schemas.openxmlformats.org/drawingml/2006/main" xmlns:r="http://schemas.openxmlformats.org/officeDocument/2006/relationships" xmlns:p="http://schemas.openxmlformats.org/presentationml/2006/main">
-  <p:cSld>
-    <p:spTree>
-      <p:nvGrpSpPr>
-        <p:cNvPr id="1" name=""/>
-        <p:cNvGrpSpPr/>
-        <p:nvPr/>
-      </p:nvGrpSpPr>
-      <p:grpSpPr>
-        <a:xfrm>
-          <a:off x="0" y="0"/>
-          <a:ext cx="0" cy="0"/>
-          <a:chOff x="0" y="0"/>
-          <a:chExt cx="0" cy="0"/>
-        </a:xfrm>
-      </p:grpSpPr>
-      <p:sp>
-        <p:nvSpPr>
-          <p:cNvPr id="2" name="幻灯片图像占位符 1"/>
-          <p:cNvSpPr>
-            <a:spLocks noGrp="1" noRot="1" noChangeAspect="1"/>
-          </p:cNvSpPr>
-          <p:nvPr>
-            <p:ph type="sldImg"/>
-          </p:nvPr>
-        </p:nvSpPr>
-        <p:spPr/>
-      </p:sp>
-      <p:sp>
-        <p:nvSpPr>
-          <p:cNvPr id="3" name="备注占位符 2"/>
-          <p:cNvSpPr>
-            <a:spLocks noGrp="1"/>
-          </p:cNvSpPr>
-          <p:nvPr>
-            <p:ph type="body" idx="1"/>
-          </p:nvPr>
-        </p:nvSpPr>
-        <p:spPr/>
-        <p:txBody>
-          <a:bodyPr/>
-          <a:lstStyle/>
-          <a:p>
-            <a:endParaRPr lang="zh-CN" altLang="en-US" dirty="0"/>
-          </a:p>
-        </p:txBody>
-      </p:sp>
-      <p:sp>
-        <p:nvSpPr>
-          <p:cNvPr id="4" name="灯片编号占位符 3"/>
-          <p:cNvSpPr>
-            <a:spLocks noGrp="1"/>
-          </p:cNvSpPr>
-          <p:nvPr>
-            <p:ph type="sldNum" sz="quarter" idx="10"/>
-          </p:nvPr>
-        </p:nvSpPr>
-        <p:spPr/>
-        <p:txBody>
-          <a:bodyPr/>
-          <a:lstStyle/>
-          <a:p>
-            <a:fld id="{9FB975F3-1C40-4D40-A7FE-36EEB7CAFC85}" type="slidenum">
-              <a:rPr lang="zh-CN" altLang="en-US" smtClean="0"/>
-              <a:t>4</a:t>
-            </a:fld>
-            <a:endParaRPr lang="zh-CN" altLang="en-US"/>
-          </a:p>
-        </p:txBody>
-      </p:sp>
-    </p:spTree>
-    <p:extLst>
-      <p:ext uri="{BB962C8B-B14F-4D97-AF65-F5344CB8AC3E}">
-        <p14:creationId xmlns:p14="http://schemas.microsoft.com/office/powerpoint/2010/main" val="3820153201"/>
-      </p:ext>
-    </p:extLst>
-  </p:cSld>
-  <p:clrMapOvr>
-    <a:masterClrMapping/>
-  </p:clrMapOvr>
-</p:notes>
-</file>
-
 <file path=ppt/slideLayouts/slideLayout1.xml><?xml version="1.0" encoding="utf-8"?>
 <p:sldLayout xmlns:a="http://schemas.openxmlformats.org/drawingml/2006/main" xmlns:r="http://schemas.openxmlformats.org/officeDocument/2006/relationships" xmlns:p="http://schemas.openxmlformats.org/presentationml/2006/main" type="title" preserve="1">
   <p:cSld name="标题幻灯片">
@@ -1077,7 +907,7 @@
           <a:p>
             <a:fld id="{A5E21016-498F-4141-B0CA-D95A38CA7D62}" type="datetimeFigureOut">
               <a:rPr lang="zh-CN" altLang="en-US" smtClean="0"/>
-              <a:t>2018/2/28</a:t>
+              <a:t>2018/5/1</a:t>
             </a:fld>
             <a:endParaRPr lang="zh-CN" altLang="en-US"/>
           </a:p>
@@ -1307,7 +1137,7 @@
           <a:p>
             <a:fld id="{A5E21016-498F-4141-B0CA-D95A38CA7D62}" type="datetimeFigureOut">
               <a:rPr lang="zh-CN" altLang="en-US" smtClean="0"/>
-              <a:t>2018/2/28</a:t>
+              <a:t>2018/5/1</a:t>
             </a:fld>
             <a:endParaRPr lang="zh-CN" altLang="en-US"/>
           </a:p>
@@ -1542,7 +1372,7 @@
           <a:p>
             <a:fld id="{A5E21016-498F-4141-B0CA-D95A38CA7D62}" type="datetimeFigureOut">
               <a:rPr lang="zh-CN" altLang="en-US" smtClean="0"/>
-              <a:t>2018/2/28</a:t>
+              <a:t>2018/5/1</a:t>
             </a:fld>
             <a:endParaRPr lang="zh-CN" altLang="en-US"/>
           </a:p>
@@ -2104,7 +1934,7 @@
           <a:p>
             <a:fld id="{A5E21016-498F-4141-B0CA-D95A38CA7D62}" type="datetimeFigureOut">
               <a:rPr lang="zh-CN" altLang="en-US" smtClean="0"/>
-              <a:t>2018/2/28</a:t>
+              <a:t>2018/5/1</a:t>
             </a:fld>
             <a:endParaRPr lang="zh-CN" altLang="en-US"/>
           </a:p>
@@ -2401,7 +2231,7 @@
           <a:p>
             <a:fld id="{A5E21016-498F-4141-B0CA-D95A38CA7D62}" type="datetimeFigureOut">
               <a:rPr lang="zh-CN" altLang="en-US" smtClean="0"/>
-              <a:t>2018/2/28</a:t>
+              <a:t>2018/5/1</a:t>
             </a:fld>
             <a:endParaRPr lang="zh-CN" altLang="en-US"/>
           </a:p>
@@ -2840,7 +2670,7 @@
           <a:p>
             <a:fld id="{A5E21016-498F-4141-B0CA-D95A38CA7D62}" type="datetimeFigureOut">
               <a:rPr lang="zh-CN" altLang="en-US" smtClean="0"/>
-              <a:t>2018/2/28</a:t>
+              <a:t>2018/5/1</a:t>
             </a:fld>
             <a:endParaRPr lang="zh-CN" altLang="en-US"/>
           </a:p>
@@ -3013,7 +2843,7 @@
           <a:p>
             <a:fld id="{A5E21016-498F-4141-B0CA-D95A38CA7D62}" type="datetimeFigureOut">
               <a:rPr lang="zh-CN" altLang="en-US" smtClean="0"/>
-              <a:t>2018/2/28</a:t>
+              <a:t>2018/5/1</a:t>
             </a:fld>
             <a:endParaRPr lang="zh-CN" altLang="en-US"/>
           </a:p>
@@ -3150,7 +2980,7 @@
           <a:p>
             <a:fld id="{A5E21016-498F-4141-B0CA-D95A38CA7D62}" type="datetimeFigureOut">
               <a:rPr lang="zh-CN" altLang="en-US" smtClean="0"/>
-              <a:t>2018/2/28</a:t>
+              <a:t>2018/5/1</a:t>
             </a:fld>
             <a:endParaRPr lang="zh-CN" altLang="en-US"/>
           </a:p>
@@ -3488,7 +3318,7 @@
           <a:p>
             <a:fld id="{A5E21016-498F-4141-B0CA-D95A38CA7D62}" type="datetimeFigureOut">
               <a:rPr lang="zh-CN" altLang="en-US" smtClean="0"/>
-              <a:t>2018/2/28</a:t>
+              <a:t>2018/5/1</a:t>
             </a:fld>
             <a:endParaRPr lang="zh-CN" altLang="en-US"/>
           </a:p>
@@ -3803,7 +3633,7 @@
           <a:p>
             <a:fld id="{A5E21016-498F-4141-B0CA-D95A38CA7D62}" type="datetimeFigureOut">
               <a:rPr lang="zh-CN" altLang="en-US" smtClean="0"/>
-              <a:t>2018/2/28</a:t>
+              <a:t>2018/5/1</a:t>
             </a:fld>
             <a:endParaRPr lang="zh-CN" altLang="en-US"/>
           </a:p>
@@ -4500,9 +4330,20 @@
             <a:pPr algn="ctr"/>
             <a:r>
               <a:rPr lang="zh-CN" altLang="en-US" sz="2800" dirty="0"/>
-              <a:t>第十八讲 基础编程能力</a:t>
-            </a:r>
-            <a:endParaRPr lang="en-US" altLang="zh-CN" sz="2800" dirty="0"/>
+              <a:t>第十八讲 </a:t>
+            </a:r>
+            <a:r>
+              <a:rPr lang="en-US" altLang="zh-CN" sz="2800" dirty="0"/>
+              <a:t>XSS</a:t>
+            </a:r>
+            <a:r>
+              <a:rPr lang="zh-CN" altLang="en-US" sz="2800" dirty="0"/>
+              <a:t>和</a:t>
+            </a:r>
+            <a:r>
+              <a:rPr lang="en-US" altLang="zh-CN" sz="2800" dirty="0"/>
+              <a:t>CSRF</a:t>
+            </a:r>
           </a:p>
           <a:p>
             <a:endParaRPr lang="en-US" altLang="zh-CN" dirty="0"/>
@@ -4578,13 +4419,10 @@
           <a:lstStyle/>
           <a:p>
             <a:r>
-              <a:rPr lang="en-US" altLang="zh-CN" dirty="0"/>
-              <a:t>Linux C</a:t>
-            </a:r>
-            <a:r>
-              <a:rPr lang="zh-CN" altLang="en-US" dirty="0"/>
-              <a:t>编程任务</a:t>
-            </a:r>
+              <a:rPr lang="en-US" altLang="zh-CN"/>
+              <a:t>XSS</a:t>
+            </a:r>
+            <a:endParaRPr lang="zh-CN" altLang="en-US" dirty="0"/>
           </a:p>
         </p:txBody>
       </p:sp>
@@ -4616,6 +4454,9 @@
           </a:bodyPr>
           <a:lstStyle/>
           <a:p>
+            <a:pPr marL="0" indent="0">
+              <a:buNone/>
+            </a:pPr>
             <a:endParaRPr lang="en-US" altLang="zh-CN" sz="2000" dirty="0"/>
           </a:p>
           <a:p>
@@ -4633,226 +4474,6 @@
     <p:extLst>
       <p:ext uri="{BB962C8B-B14F-4D97-AF65-F5344CB8AC3E}">
         <p14:creationId xmlns:p14="http://schemas.microsoft.com/office/powerpoint/2010/main" val="3138294811"/>
-      </p:ext>
-    </p:extLst>
-  </p:cSld>
-  <p:clrMapOvr>
-    <a:masterClrMapping/>
-  </p:clrMapOvr>
-</p:sld>
-</file>
-
-<file path=ppt/slides/slide3.xml><?xml version="1.0" encoding="utf-8"?>
-<p:sld xmlns:a="http://schemas.openxmlformats.org/drawingml/2006/main" xmlns:r="http://schemas.openxmlformats.org/officeDocument/2006/relationships" xmlns:p="http://schemas.openxmlformats.org/presentationml/2006/main">
-  <p:cSld>
-    <p:spTree>
-      <p:nvGrpSpPr>
-        <p:cNvPr id="1" name=""/>
-        <p:cNvGrpSpPr/>
-        <p:nvPr/>
-      </p:nvGrpSpPr>
-      <p:grpSpPr>
-        <a:xfrm>
-          <a:off x="0" y="0"/>
-          <a:ext cx="0" cy="0"/>
-          <a:chOff x="0" y="0"/>
-          <a:chExt cx="0" cy="0"/>
-        </a:xfrm>
-      </p:grpSpPr>
-      <p:sp>
-        <p:nvSpPr>
-          <p:cNvPr id="4" name="标题 3">
-            <a:extLst>
-              <a:ext uri="{FF2B5EF4-FFF2-40B4-BE49-F238E27FC236}">
-                <a16:creationId xmlns:a16="http://schemas.microsoft.com/office/drawing/2014/main" id="{2729939D-814A-4BD2-9922-3F8EA865938B}"/>
-              </a:ext>
-            </a:extLst>
-          </p:cNvPr>
-          <p:cNvSpPr>
-            <a:spLocks noGrp="1"/>
-          </p:cNvSpPr>
-          <p:nvPr>
-            <p:ph type="title"/>
-          </p:nvPr>
-        </p:nvSpPr>
-        <p:spPr>
-          <a:xfrm>
-            <a:off x="838200" y="683581"/>
-            <a:ext cx="10515600" cy="736846"/>
-          </a:xfrm>
-        </p:spPr>
-        <p:txBody>
-          <a:bodyPr/>
-          <a:lstStyle/>
-          <a:p>
-            <a:r>
-              <a:rPr lang="en-US" altLang="zh-CN" dirty="0"/>
-              <a:t>socket</a:t>
-            </a:r>
-            <a:r>
-              <a:rPr lang="zh-CN" altLang="en-US" dirty="0"/>
-              <a:t>编程简介</a:t>
-            </a:r>
-          </a:p>
-        </p:txBody>
-      </p:sp>
-      <p:sp>
-        <p:nvSpPr>
-          <p:cNvPr id="6" name="内容占位符 5">
-            <a:extLst>
-              <a:ext uri="{FF2B5EF4-FFF2-40B4-BE49-F238E27FC236}">
-                <a16:creationId xmlns:a16="http://schemas.microsoft.com/office/drawing/2014/main" id="{B83E9AD4-C606-4679-B884-01F71CC97E44}"/>
-              </a:ext>
-            </a:extLst>
-          </p:cNvPr>
-          <p:cNvSpPr>
-            <a:spLocks noGrp="1"/>
-          </p:cNvSpPr>
-          <p:nvPr>
-            <p:ph idx="1"/>
-          </p:nvPr>
-        </p:nvSpPr>
-        <p:spPr>
-          <a:xfrm>
-            <a:off x="838200" y="1656500"/>
-            <a:ext cx="10515600" cy="4850832"/>
-          </a:xfrm>
-        </p:spPr>
-        <p:txBody>
-          <a:bodyPr>
-            <a:normAutofit/>
-          </a:bodyPr>
-          <a:lstStyle/>
-          <a:p>
-            <a:endParaRPr lang="en-US" altLang="zh-CN" sz="2000" dirty="0"/>
-          </a:p>
-          <a:p>
-            <a:endParaRPr lang="en-US" altLang="zh-CN" sz="2000" dirty="0"/>
-          </a:p>
-          <a:p>
-            <a:endParaRPr lang="en-US" altLang="zh-CN" sz="2000" dirty="0"/>
-          </a:p>
-        </p:txBody>
-      </p:sp>
-    </p:spTree>
-    <p:extLst>
-      <p:ext uri="{BB962C8B-B14F-4D97-AF65-F5344CB8AC3E}">
-        <p14:creationId xmlns:p14="http://schemas.microsoft.com/office/powerpoint/2010/main" val="2748455849"/>
-      </p:ext>
-    </p:extLst>
-  </p:cSld>
-  <p:clrMapOvr>
-    <a:masterClrMapping/>
-  </p:clrMapOvr>
-</p:sld>
-</file>
-
-<file path=ppt/slides/slide4.xml><?xml version="1.0" encoding="utf-8"?>
-<p:sld xmlns:a="http://schemas.openxmlformats.org/drawingml/2006/main" xmlns:r="http://schemas.openxmlformats.org/officeDocument/2006/relationships" xmlns:p="http://schemas.openxmlformats.org/presentationml/2006/main">
-  <p:cSld>
-    <p:spTree>
-      <p:nvGrpSpPr>
-        <p:cNvPr id="1" name=""/>
-        <p:cNvGrpSpPr/>
-        <p:nvPr/>
-      </p:nvGrpSpPr>
-      <p:grpSpPr>
-        <a:xfrm>
-          <a:off x="0" y="0"/>
-          <a:ext cx="0" cy="0"/>
-          <a:chOff x="0" y="0"/>
-          <a:chExt cx="0" cy="0"/>
-        </a:xfrm>
-      </p:grpSpPr>
-      <p:sp>
-        <p:nvSpPr>
-          <p:cNvPr id="4" name="标题 3">
-            <a:extLst>
-              <a:ext uri="{FF2B5EF4-FFF2-40B4-BE49-F238E27FC236}">
-                <a16:creationId xmlns:a16="http://schemas.microsoft.com/office/drawing/2014/main" id="{2729939D-814A-4BD2-9922-3F8EA865938B}"/>
-              </a:ext>
-            </a:extLst>
-          </p:cNvPr>
-          <p:cNvSpPr>
-            <a:spLocks noGrp="1"/>
-          </p:cNvSpPr>
-          <p:nvPr>
-            <p:ph type="title"/>
-          </p:nvPr>
-        </p:nvSpPr>
-        <p:spPr>
-          <a:xfrm>
-            <a:off x="838200" y="683581"/>
-            <a:ext cx="10515600" cy="736846"/>
-          </a:xfrm>
-        </p:spPr>
-        <p:txBody>
-          <a:bodyPr>
-            <a:normAutofit/>
-          </a:bodyPr>
-          <a:lstStyle/>
-          <a:p>
-            <a:endParaRPr lang="zh-CN" altLang="en-US" dirty="0"/>
-          </a:p>
-        </p:txBody>
-      </p:sp>
-      <p:sp>
-        <p:nvSpPr>
-          <p:cNvPr id="6" name="内容占位符 5">
-            <a:extLst>
-              <a:ext uri="{FF2B5EF4-FFF2-40B4-BE49-F238E27FC236}">
-                <a16:creationId xmlns:a16="http://schemas.microsoft.com/office/drawing/2014/main" id="{B83E9AD4-C606-4679-B884-01F71CC97E44}"/>
-              </a:ext>
-            </a:extLst>
-          </p:cNvPr>
-          <p:cNvSpPr>
-            <a:spLocks noGrp="1"/>
-          </p:cNvSpPr>
-          <p:nvPr>
-            <p:ph idx="1"/>
-          </p:nvPr>
-        </p:nvSpPr>
-        <p:spPr>
-          <a:xfrm>
-            <a:off x="838200" y="1656500"/>
-            <a:ext cx="10515600" cy="4850832"/>
-          </a:xfrm>
-        </p:spPr>
-        <p:txBody>
-          <a:bodyPr>
-            <a:normAutofit/>
-          </a:bodyPr>
-          <a:lstStyle/>
-          <a:p>
-            <a:endParaRPr lang="en-US" altLang="zh-CN" sz="2000" dirty="0"/>
-          </a:p>
-          <a:p>
-            <a:endParaRPr lang="en-US" altLang="zh-CN" sz="2000" dirty="0"/>
-          </a:p>
-          <a:p>
-            <a:endParaRPr lang="en-US" altLang="zh-CN" sz="2000" dirty="0"/>
-          </a:p>
-          <a:p>
-            <a:endParaRPr lang="en-US" altLang="zh-CN" sz="2000" dirty="0"/>
-          </a:p>
-          <a:p>
-            <a:endParaRPr lang="en-US" altLang="zh-CN" sz="2000" dirty="0"/>
-          </a:p>
-          <a:p>
-            <a:pPr marL="0" indent="0">
-              <a:buNone/>
-            </a:pPr>
-            <a:endParaRPr lang="en-US" altLang="zh-CN" sz="2000" dirty="0"/>
-          </a:p>
-          <a:p>
-            <a:endParaRPr lang="en-US" altLang="zh-CN" sz="2000" dirty="0"/>
-          </a:p>
-        </p:txBody>
-      </p:sp>
-    </p:spTree>
-    <p:extLst>
-      <p:ext uri="{BB962C8B-B14F-4D97-AF65-F5344CB8AC3E}">
-        <p14:creationId xmlns:p14="http://schemas.microsoft.com/office/powerpoint/2010/main" val="1018546089"/>
       </p:ext>
     </p:extLst>
   </p:cSld>
